--- a/Phase_1/CSE111 Phase 1 Presentation.pptx
+++ b/Phase_1/CSE111 Phase 1 Presentation.pptx
@@ -13,23 +13,24 @@
     <p:sldId id="258" r:id="rId8"/>
     <p:sldId id="259" r:id="rId9"/>
     <p:sldId id="260" r:id="rId10"/>
+    <p:sldId id="261" r:id="rId11"/>
   </p:sldIdLst>
   <p:sldSz cy="5143500" cx="9144000"/>
   <p:notesSz cx="6858000" cy="9144000"/>
   <p:embeddedFontLst>
     <p:embeddedFont>
       <p:font typeface="Montserrat"/>
-      <p:regular r:id="rId11"/>
-      <p:bold r:id="rId12"/>
-      <p:italic r:id="rId13"/>
-      <p:boldItalic r:id="rId14"/>
+      <p:regular r:id="rId12"/>
+      <p:bold r:id="rId13"/>
+      <p:italic r:id="rId14"/>
+      <p:boldItalic r:id="rId15"/>
     </p:embeddedFont>
     <p:embeddedFont>
       <p:font typeface="Lato"/>
-      <p:regular r:id="rId15"/>
-      <p:bold r:id="rId16"/>
-      <p:italic r:id="rId17"/>
-      <p:boldItalic r:id="rId18"/>
+      <p:regular r:id="rId16"/>
+      <p:bold r:id="rId17"/>
+      <p:italic r:id="rId18"/>
+      <p:boldItalic r:id="rId19"/>
     </p:embeddedFont>
   </p:embeddedFontLst>
   <p:defaultTextStyle>
@@ -923,7 +924,7 @@
       </p:grpSpPr>
       <p:sp>
         <p:nvSpPr>
-          <p:cNvPr id="143" name="Google Shape;143;g9d2f9a960b_0_350:notes"/>
+          <p:cNvPr id="143" name="Google Shape;143;g9e79895b83_0_0:notes"/>
           <p:cNvSpPr/>
           <p:nvPr>
             <p:ph idx="2" type="sldImg"/>
@@ -958,7 +959,7 @@
       </p:sp>
       <p:sp>
         <p:nvSpPr>
-          <p:cNvPr id="144" name="Google Shape;144;g9d2f9a960b_0_350:notes"/>
+          <p:cNvPr id="144" name="Google Shape;144;g9e79895b83_0_0:notes"/>
           <p:cNvSpPr txBox="1"/>
           <p:nvPr>
             <p:ph idx="1" type="body"/>
@@ -1022,7 +1023,7 @@
       </p:grpSpPr>
       <p:sp>
         <p:nvSpPr>
-          <p:cNvPr id="149" name="Google Shape;149;g9d2f9a960b_0_485:notes"/>
+          <p:cNvPr id="149" name="Google Shape;149;g9d2f9a960b_0_350:notes"/>
           <p:cNvSpPr/>
           <p:nvPr>
             <p:ph idx="2" type="sldImg"/>
@@ -1057,7 +1058,7 @@
       </p:sp>
       <p:sp>
         <p:nvSpPr>
-          <p:cNvPr id="150" name="Google Shape;150;g9d2f9a960b_0_485:notes"/>
+          <p:cNvPr id="150" name="Google Shape;150;g9d2f9a960b_0_350:notes"/>
           <p:cNvSpPr txBox="1"/>
           <p:nvPr>
             <p:ph idx="1" type="body"/>
@@ -1121,7 +1122,7 @@
       </p:grpSpPr>
       <p:sp>
         <p:nvSpPr>
-          <p:cNvPr id="155" name="Google Shape;155;g9d2f9a960b_2_5:notes"/>
+          <p:cNvPr id="155" name="Google Shape;155;g9d2f9a960b_0_485:notes"/>
           <p:cNvSpPr/>
           <p:nvPr>
             <p:ph idx="2" type="sldImg"/>
@@ -1156,7 +1157,106 @@
       </p:sp>
       <p:sp>
         <p:nvSpPr>
-          <p:cNvPr id="156" name="Google Shape;156;g9d2f9a960b_2_5:notes"/>
+          <p:cNvPr id="156" name="Google Shape;156;g9d2f9a960b_0_485:notes"/>
+          <p:cNvSpPr txBox="1"/>
+          <p:nvPr>
+            <p:ph idx="1" type="body"/>
+          </p:nvPr>
+        </p:nvSpPr>
+        <p:spPr>
+          <a:xfrm>
+            <a:off x="685800" y="4343400"/>
+            <a:ext cx="5486400" cy="4114800"/>
+          </a:xfrm>
+          <a:prstGeom prst="rect">
+            <a:avLst/>
+          </a:prstGeom>
+        </p:spPr>
+        <p:txBody>
+          <a:bodyPr anchorCtr="0" anchor="t" bIns="91425" lIns="91425" spcFirstLastPara="1" rIns="91425" wrap="square" tIns="91425">
+            <a:noAutofit/>
+          </a:bodyPr>
+          <a:lstStyle/>
+          <a:p>
+            <a:pPr indent="0" lvl="0" marL="0" rtl="0" algn="l">
+              <a:spcBef>
+                <a:spcPts val="0"/>
+              </a:spcBef>
+              <a:spcAft>
+                <a:spcPts val="0"/>
+              </a:spcAft>
+              <a:buNone/>
+            </a:pPr>
+            <a:r>
+              <a:t/>
+            </a:r>
+            <a:endParaRPr/>
+          </a:p>
+        </p:txBody>
+      </p:sp>
+    </p:spTree>
+  </p:cSld>
+  <p:clrMapOvr>
+    <a:masterClrMapping/>
+  </p:clrMapOvr>
+</p:notes>
+</file>
+
+<file path=ppt/notesSlides/notesSlide6.xml><?xml version="1.0" encoding="utf-8"?>
+<p:notes xmlns:a="http://schemas.openxmlformats.org/drawingml/2006/main" xmlns:r="http://schemas.openxmlformats.org/officeDocument/2006/relationships" xmlns:mc="http://schemas.openxmlformats.org/markup-compatibility/2006" xmlns:mv="urn:schemas-microsoft-com:mac:vml" xmlns:p="http://schemas.openxmlformats.org/presentationml/2006/main" xmlns:c="http://schemas.openxmlformats.org/drawingml/2006/chart" xmlns:dgm="http://schemas.openxmlformats.org/drawingml/2006/diagram" xmlns:o="urn:schemas-microsoft-com:office:office" xmlns:v="urn:schemas-microsoft-com:vml" xmlns:pvml="urn:schemas-microsoft-com:office:powerpoint" xmlns:com="http://schemas.openxmlformats.org/drawingml/2006/compatibility" xmlns:p14="http://schemas.microsoft.com/office/powerpoint/2010/main" xmlns:p15="http://schemas.microsoft.com/office/powerpoint/2012/main" xmlns:ahyp="http://schemas.microsoft.com/office/drawing/2018/hyperlinkcolor" showMasterPhAnim="0" showMasterSp="0">
+  <p:cSld>
+    <p:spTree>
+      <p:nvGrpSpPr>
+        <p:cNvPr id="160" name="Shape 160"/>
+        <p:cNvGrpSpPr/>
+        <p:nvPr/>
+      </p:nvGrpSpPr>
+      <p:grpSpPr>
+        <a:xfrm>
+          <a:off x="0" y="0"/>
+          <a:ext cx="0" cy="0"/>
+          <a:chOff x="0" y="0"/>
+          <a:chExt cx="0" cy="0"/>
+        </a:xfrm>
+      </p:grpSpPr>
+      <p:sp>
+        <p:nvSpPr>
+          <p:cNvPr id="161" name="Google Shape;161;g9d2f9a960b_2_5:notes"/>
+          <p:cNvSpPr/>
+          <p:nvPr>
+            <p:ph idx="2" type="sldImg"/>
+          </p:nvPr>
+        </p:nvSpPr>
+        <p:spPr>
+          <a:xfrm>
+            <a:off x="381300" y="685800"/>
+            <a:ext cx="6096000" cy="3429000"/>
+          </a:xfrm>
+          <a:custGeom>
+            <a:rect b="b" l="l" r="r" t="t"/>
+            <a:pathLst>
+              <a:path extrusionOk="0" h="120000" w="120000">
+                <a:moveTo>
+                  <a:pt x="0" y="0"/>
+                </a:moveTo>
+                <a:lnTo>
+                  <a:pt x="120000" y="0"/>
+                </a:lnTo>
+                <a:lnTo>
+                  <a:pt x="120000" y="120000"/>
+                </a:lnTo>
+                <a:lnTo>
+                  <a:pt x="0" y="120000"/>
+                </a:lnTo>
+                <a:close/>
+              </a:path>
+            </a:pathLst>
+          </a:custGeom>
+        </p:spPr>
+      </p:sp>
+      <p:sp>
+        <p:nvSpPr>
+          <p:cNvPr id="162" name="Google Shape;162;g9d2f9a960b_2_5:notes"/>
           <p:cNvSpPr txBox="1"/>
           <p:nvPr>
             <p:ph idx="1" type="body"/>
@@ -9689,40 +9789,76 @@
             </a:pPr>
             <a:r>
               <a:rPr lang="en"/>
-              <a:t>Use-Case</a:t>
+              <a:t>Implementation</a:t>
             </a:r>
             <a:endParaRPr/>
           </a:p>
         </p:txBody>
       </p:sp>
-      <p:pic>
-        <p:nvPicPr>
+      <p:sp>
+        <p:nvSpPr>
           <p:cNvPr id="147" name="Google Shape;147;p15"/>
-          <p:cNvPicPr preferRelativeResize="0"/>
-          <p:nvPr/>
-        </p:nvPicPr>
-        <p:blipFill>
-          <a:blip r:embed="rId3">
-            <a:alphaModFix/>
-          </a:blip>
-          <a:stretch>
-            <a:fillRect/>
-          </a:stretch>
-        </p:blipFill>
+          <p:cNvSpPr txBox="1"/>
+          <p:nvPr>
+            <p:ph idx="1" type="body"/>
+          </p:nvPr>
+        </p:nvSpPr>
         <p:spPr>
           <a:xfrm>
-            <a:off x="2178425" y="1307850"/>
-            <a:ext cx="4881274" cy="3530850"/>
+            <a:off x="1297500" y="1567550"/>
+            <a:ext cx="7038900" cy="2911200"/>
           </a:xfrm>
           <a:prstGeom prst="rect">
             <a:avLst/>
           </a:prstGeom>
-          <a:noFill/>
-          <a:ln>
-            <a:noFill/>
-          </a:ln>
         </p:spPr>
-      </p:pic>
+        <p:txBody>
+          <a:bodyPr anchorCtr="0" anchor="t" bIns="91425" lIns="91425" spcFirstLastPara="1" rIns="91425" wrap="square" tIns="91425">
+            <a:noAutofit/>
+          </a:bodyPr>
+          <a:lstStyle/>
+          <a:p>
+            <a:pPr indent="-311150" lvl="0" marL="457200" rtl="0" algn="l">
+              <a:lnSpc>
+                <a:spcPct val="200000"/>
+              </a:lnSpc>
+              <a:spcBef>
+                <a:spcPts val="0"/>
+              </a:spcBef>
+              <a:spcAft>
+                <a:spcPts val="0"/>
+              </a:spcAft>
+              <a:buSzPts val="1300"/>
+              <a:buChar char="❏"/>
+            </a:pPr>
+            <a:r>
+              <a:rPr lang="en"/>
+              <a:t>MySQL for the database</a:t>
+            </a:r>
+            <a:endParaRPr/>
+          </a:p>
+          <a:p>
+            <a:pPr indent="-311150" lvl="0" marL="457200" rtl="0" algn="l">
+              <a:lnSpc>
+                <a:spcPct val="200000"/>
+              </a:lnSpc>
+              <a:spcBef>
+                <a:spcPts val="0"/>
+              </a:spcBef>
+              <a:spcAft>
+                <a:spcPts val="0"/>
+              </a:spcAft>
+              <a:buSzPts val="1300"/>
+              <a:buChar char="❏"/>
+            </a:pPr>
+            <a:r>
+              <a:rPr lang="en"/>
+              <a:t>Subject to Change: MAMP, PHPmyAdmin, PHP</a:t>
+            </a:r>
+            <a:endParaRPr/>
+          </a:p>
+        </p:txBody>
+      </p:sp>
     </p:spTree>
   </p:cSld>
   <p:clrMapOvr>
@@ -9782,7 +9918,7 @@
             </a:pPr>
             <a:r>
               <a:rPr lang="en"/>
-              <a:t>E/R Diagram</a:t>
+              <a:t>Use-Case</a:t>
             </a:r>
             <a:endParaRPr/>
           </a:p>
@@ -9804,8 +9940,8 @@
         </p:blipFill>
         <p:spPr>
           <a:xfrm>
-            <a:off x="1440188" y="1198025"/>
-            <a:ext cx="6753523" cy="3530851"/>
+            <a:off x="2178425" y="1307850"/>
+            <a:ext cx="4881274" cy="3530850"/>
           </a:xfrm>
           <a:prstGeom prst="rect">
             <a:avLst/>
@@ -9875,6 +10011,99 @@
             </a:pPr>
             <a:r>
               <a:rPr lang="en"/>
+              <a:t>E/R Diagram</a:t>
+            </a:r>
+            <a:endParaRPr/>
+          </a:p>
+        </p:txBody>
+      </p:sp>
+      <p:pic>
+        <p:nvPicPr>
+          <p:cNvPr id="159" name="Google Shape;159;p17"/>
+          <p:cNvPicPr preferRelativeResize="0"/>
+          <p:nvPr/>
+        </p:nvPicPr>
+        <p:blipFill>
+          <a:blip r:embed="rId3">
+            <a:alphaModFix/>
+          </a:blip>
+          <a:stretch>
+            <a:fillRect/>
+          </a:stretch>
+        </p:blipFill>
+        <p:spPr>
+          <a:xfrm>
+            <a:off x="1440188" y="1198025"/>
+            <a:ext cx="6753523" cy="3530851"/>
+          </a:xfrm>
+          <a:prstGeom prst="rect">
+            <a:avLst/>
+          </a:prstGeom>
+          <a:noFill/>
+          <a:ln>
+            <a:noFill/>
+          </a:ln>
+        </p:spPr>
+      </p:pic>
+    </p:spTree>
+  </p:cSld>
+  <p:clrMapOvr>
+    <a:masterClrMapping/>
+  </p:clrMapOvr>
+</p:sld>
+</file>
+
+<file path=ppt/slides/slide6.xml><?xml version="1.0" encoding="utf-8"?>
+<p:sld xmlns:a="http://schemas.openxmlformats.org/drawingml/2006/main" xmlns:r="http://schemas.openxmlformats.org/officeDocument/2006/relationships" xmlns:mc="http://schemas.openxmlformats.org/markup-compatibility/2006" xmlns:mv="urn:schemas-microsoft-com:mac:vml" xmlns:p="http://schemas.openxmlformats.org/presentationml/2006/main" xmlns:c="http://schemas.openxmlformats.org/drawingml/2006/chart" xmlns:dgm="http://schemas.openxmlformats.org/drawingml/2006/diagram" xmlns:o="urn:schemas-microsoft-com:office:office" xmlns:v="urn:schemas-microsoft-com:vml" xmlns:pvml="urn:schemas-microsoft-com:office:powerpoint" xmlns:com="http://schemas.openxmlformats.org/drawingml/2006/compatibility" xmlns:p14="http://schemas.microsoft.com/office/powerpoint/2010/main" xmlns:p15="http://schemas.microsoft.com/office/powerpoint/2012/main" xmlns:ahyp="http://schemas.microsoft.com/office/drawing/2018/hyperlinkcolor">
+  <p:cSld>
+    <p:spTree>
+      <p:nvGrpSpPr>
+        <p:cNvPr id="163" name="Shape 163"/>
+        <p:cNvGrpSpPr/>
+        <p:nvPr/>
+      </p:nvGrpSpPr>
+      <p:grpSpPr>
+        <a:xfrm>
+          <a:off x="0" y="0"/>
+          <a:ext cx="0" cy="0"/>
+          <a:chOff x="0" y="0"/>
+          <a:chExt cx="0" cy="0"/>
+        </a:xfrm>
+      </p:grpSpPr>
+      <p:sp>
+        <p:nvSpPr>
+          <p:cNvPr id="164" name="Google Shape;164;p18"/>
+          <p:cNvSpPr txBox="1"/>
+          <p:nvPr>
+            <p:ph type="title"/>
+          </p:nvPr>
+        </p:nvSpPr>
+        <p:spPr>
+          <a:xfrm>
+            <a:off x="1297500" y="393750"/>
+            <a:ext cx="7038900" cy="914100"/>
+          </a:xfrm>
+          <a:prstGeom prst="rect">
+            <a:avLst/>
+          </a:prstGeom>
+        </p:spPr>
+        <p:txBody>
+          <a:bodyPr anchorCtr="0" anchor="t" bIns="91425" lIns="91425" spcFirstLastPara="1" rIns="91425" wrap="square" tIns="91425">
+            <a:noAutofit/>
+          </a:bodyPr>
+          <a:lstStyle/>
+          <a:p>
+            <a:pPr indent="0" lvl="0" marL="0" rtl="0" algn="l">
+              <a:spcBef>
+                <a:spcPts val="0"/>
+              </a:spcBef>
+              <a:spcAft>
+                <a:spcPts val="0"/>
+              </a:spcAft>
+              <a:buNone/>
+            </a:pPr>
+            <a:r>
+              <a:rPr lang="en"/>
               <a:t>Relational Schema</a:t>
             </a:r>
             <a:endParaRPr/>
@@ -9883,7 +10112,7 @@
       </p:sp>
       <p:sp>
         <p:nvSpPr>
-          <p:cNvPr id="159" name="Google Shape;159;p17"/>
+          <p:cNvPr id="165" name="Google Shape;165;p18"/>
           <p:cNvSpPr txBox="1"/>
           <p:nvPr>
             <p:ph idx="1" type="body"/>
@@ -10039,7 +10268,7 @@
       </p:sp>
       <p:sp>
         <p:nvSpPr>
-          <p:cNvPr id="160" name="Google Shape;160;p17"/>
+          <p:cNvPr id="166" name="Google Shape;166;p18"/>
           <p:cNvSpPr txBox="1"/>
           <p:nvPr>
             <p:ph idx="2" type="body"/>
